--- a/栽培管理アプリ.pptx
+++ b/栽培管理アプリ.pptx
@@ -116,8 +116,55 @@
 </p:presentation>
 </file>
 
+<file path=ppt/revisionInfo.xml><?xml version="1.0" encoding="utf-8"?>
+<p1510:revInfo xmlns:a="http://schemas.openxmlformats.org/drawingml/2006/main" xmlns:r="http://schemas.openxmlformats.org/officeDocument/2006/relationships" xmlns:p1510="http://schemas.microsoft.com/office/powerpoint/2015/10/main">
+  <p1510:revLst>
+    <p1510:client id="{41EC861C-E0FC-44C0-BDC6-08522A4BDD28}" v="76" dt="2024-04-25T12:07:55.728"/>
+  </p1510:revLst>
+</p1510:revInfo>
+</file>
+
 <file path=ppt/changesInfos/changesInfo1.xml><?xml version="1.0" encoding="utf-8"?>
 <pc:chgInfo xmlns:a="http://schemas.openxmlformats.org/drawingml/2006/main" xmlns:r="http://schemas.openxmlformats.org/officeDocument/2006/relationships" xmlns:ac="http://schemas.microsoft.com/office/drawing/2013/main/command" xmlns:pc="http://schemas.microsoft.com/office/powerpoint/2013/main/command">
+  <pc:docChgLst>
+    <pc:chgData name="明香里 松永" userId="27f5baf808fa12b4" providerId="LiveId" clId="{41EC861C-E0FC-44C0-BDC6-08522A4BDD28}"/>
+    <pc:docChg chg="undo custSel modSld">
+      <pc:chgData name="明香里 松永" userId="27f5baf808fa12b4" providerId="LiveId" clId="{41EC861C-E0FC-44C0-BDC6-08522A4BDD28}" dt="2024-04-25T12:07:55.727" v="381"/>
+      <pc:docMkLst>
+        <pc:docMk/>
+      </pc:docMkLst>
+      <pc:sldChg chg="modSp mod">
+        <pc:chgData name="明香里 松永" userId="27f5baf808fa12b4" providerId="LiveId" clId="{41EC861C-E0FC-44C0-BDC6-08522A4BDD28}" dt="2024-04-25T12:07:55.727" v="381"/>
+        <pc:sldMkLst>
+          <pc:docMk/>
+          <pc:sldMk cId="3620688613" sldId="257"/>
+        </pc:sldMkLst>
+        <pc:spChg chg="mod">
+          <ac:chgData name="明香里 松永" userId="27f5baf808fa12b4" providerId="LiveId" clId="{41EC861C-E0FC-44C0-BDC6-08522A4BDD28}" dt="2024-04-25T12:07:55.727" v="381"/>
+          <ac:spMkLst>
+            <pc:docMk/>
+            <pc:sldMk cId="3620688613" sldId="257"/>
+            <ac:spMk id="3" creationId="{DDB158AA-EAB9-FBF4-C182-390F9E4DE55E}"/>
+          </ac:spMkLst>
+        </pc:spChg>
+      </pc:sldChg>
+      <pc:sldChg chg="addSp delSp modSp mod">
+        <pc:chgData name="明香里 松永" userId="27f5baf808fa12b4" providerId="LiveId" clId="{41EC861C-E0FC-44C0-BDC6-08522A4BDD28}" dt="2024-04-25T11:58:37.275" v="1" actId="27309"/>
+        <pc:sldMkLst>
+          <pc:docMk/>
+          <pc:sldMk cId="1866508564" sldId="259"/>
+        </pc:sldMkLst>
+        <pc:graphicFrameChg chg="add del modGraphic">
+          <ac:chgData name="明香里 松永" userId="27f5baf808fa12b4" providerId="LiveId" clId="{41EC861C-E0FC-44C0-BDC6-08522A4BDD28}" dt="2024-04-25T11:58:37.275" v="1" actId="27309"/>
+          <ac:graphicFrameMkLst>
+            <pc:docMk/>
+            <pc:sldMk cId="1866508564" sldId="259"/>
+            <ac:graphicFrameMk id="3" creationId="{7CE520C0-0C35-3517-2727-95BD54005723}"/>
+          </ac:graphicFrameMkLst>
+        </pc:graphicFrameChg>
+      </pc:sldChg>
+    </pc:docChg>
+  </pc:docChgLst>
   <pc:docChgLst>
     <pc:chgData name="明香里 松永" userId="27f5baf808fa12b4" providerId="LiveId" clId="{1212199D-B2CB-4054-ACE5-A4494383EE67}"/>
     <pc:docChg chg="modSld sldOrd">
@@ -284,7 +331,7 @@
           <a:p>
             <a:fld id="{73B0F92B-9F92-46B5-BBF2-4E7824411A27}" type="datetimeFigureOut">
               <a:rPr kumimoji="1" lang="ja-JP" altLang="en-US" smtClean="0"/>
-              <a:t>2024/4/23</a:t>
+              <a:t>2024/4/25</a:t>
             </a:fld>
             <a:endParaRPr kumimoji="1" lang="ja-JP" altLang="en-US"/>
           </a:p>
@@ -514,7 +561,7 @@
           <a:p>
             <a:fld id="{73B0F92B-9F92-46B5-BBF2-4E7824411A27}" type="datetimeFigureOut">
               <a:rPr kumimoji="1" lang="ja-JP" altLang="en-US" smtClean="0"/>
-              <a:t>2024/4/23</a:t>
+              <a:t>2024/4/25</a:t>
             </a:fld>
             <a:endParaRPr kumimoji="1" lang="ja-JP" altLang="en-US"/>
           </a:p>
@@ -754,7 +801,7 @@
           <a:p>
             <a:fld id="{73B0F92B-9F92-46B5-BBF2-4E7824411A27}" type="datetimeFigureOut">
               <a:rPr kumimoji="1" lang="ja-JP" altLang="en-US" smtClean="0"/>
-              <a:t>2024/4/23</a:t>
+              <a:t>2024/4/25</a:t>
             </a:fld>
             <a:endParaRPr kumimoji="1" lang="ja-JP" altLang="en-US"/>
           </a:p>
@@ -984,7 +1031,7 @@
           <a:p>
             <a:fld id="{73B0F92B-9F92-46B5-BBF2-4E7824411A27}" type="datetimeFigureOut">
               <a:rPr kumimoji="1" lang="ja-JP" altLang="en-US" smtClean="0"/>
-              <a:t>2024/4/23</a:t>
+              <a:t>2024/4/25</a:t>
             </a:fld>
             <a:endParaRPr kumimoji="1" lang="ja-JP" altLang="en-US"/>
           </a:p>
@@ -1259,7 +1306,7 @@
           <a:p>
             <a:fld id="{73B0F92B-9F92-46B5-BBF2-4E7824411A27}" type="datetimeFigureOut">
               <a:rPr kumimoji="1" lang="ja-JP" altLang="en-US" smtClean="0"/>
-              <a:t>2024/4/23</a:t>
+              <a:t>2024/4/25</a:t>
             </a:fld>
             <a:endParaRPr kumimoji="1" lang="ja-JP" altLang="en-US"/>
           </a:p>
@@ -1588,7 +1635,7 @@
           <a:p>
             <a:fld id="{73B0F92B-9F92-46B5-BBF2-4E7824411A27}" type="datetimeFigureOut">
               <a:rPr kumimoji="1" lang="ja-JP" altLang="en-US" smtClean="0"/>
-              <a:t>2024/4/23</a:t>
+              <a:t>2024/4/25</a:t>
             </a:fld>
             <a:endParaRPr kumimoji="1" lang="ja-JP" altLang="en-US"/>
           </a:p>
@@ -2064,7 +2111,7 @@
           <a:p>
             <a:fld id="{73B0F92B-9F92-46B5-BBF2-4E7824411A27}" type="datetimeFigureOut">
               <a:rPr kumimoji="1" lang="ja-JP" altLang="en-US" smtClean="0"/>
-              <a:t>2024/4/23</a:t>
+              <a:t>2024/4/25</a:t>
             </a:fld>
             <a:endParaRPr kumimoji="1" lang="ja-JP" altLang="en-US"/>
           </a:p>
@@ -2205,7 +2252,7 @@
           <a:p>
             <a:fld id="{73B0F92B-9F92-46B5-BBF2-4E7824411A27}" type="datetimeFigureOut">
               <a:rPr kumimoji="1" lang="ja-JP" altLang="en-US" smtClean="0"/>
-              <a:t>2024/4/23</a:t>
+              <a:t>2024/4/25</a:t>
             </a:fld>
             <a:endParaRPr kumimoji="1" lang="ja-JP" altLang="en-US"/>
           </a:p>
@@ -2318,7 +2365,7 @@
           <a:p>
             <a:fld id="{73B0F92B-9F92-46B5-BBF2-4E7824411A27}" type="datetimeFigureOut">
               <a:rPr kumimoji="1" lang="ja-JP" altLang="en-US" smtClean="0"/>
-              <a:t>2024/4/23</a:t>
+              <a:t>2024/4/25</a:t>
             </a:fld>
             <a:endParaRPr kumimoji="1" lang="ja-JP" altLang="en-US"/>
           </a:p>
@@ -2661,7 +2708,7 @@
           <a:p>
             <a:fld id="{73B0F92B-9F92-46B5-BBF2-4E7824411A27}" type="datetimeFigureOut">
               <a:rPr kumimoji="1" lang="ja-JP" altLang="en-US" smtClean="0"/>
-              <a:t>2024/4/23</a:t>
+              <a:t>2024/4/25</a:t>
             </a:fld>
             <a:endParaRPr kumimoji="1" lang="ja-JP" altLang="en-US"/>
           </a:p>
@@ -2949,7 +2996,7 @@
           <a:p>
             <a:fld id="{73B0F92B-9F92-46B5-BBF2-4E7824411A27}" type="datetimeFigureOut">
               <a:rPr kumimoji="1" lang="ja-JP" altLang="en-US" smtClean="0"/>
-              <a:t>2024/4/23</a:t>
+              <a:t>2024/4/25</a:t>
             </a:fld>
             <a:endParaRPr kumimoji="1" lang="ja-JP" altLang="en-US"/>
           </a:p>
@@ -3222,7 +3269,7 @@
           <a:p>
             <a:fld id="{73B0F92B-9F92-46B5-BBF2-4E7824411A27}" type="datetimeFigureOut">
               <a:rPr kumimoji="1" lang="ja-JP" altLang="en-US" smtClean="0"/>
-              <a:t>2024/4/23</a:t>
+              <a:t>2024/4/25</a:t>
             </a:fld>
             <a:endParaRPr kumimoji="1" lang="ja-JP" altLang="en-US"/>
           </a:p>
@@ -3768,7 +3815,9 @@
         </p:nvSpPr>
         <p:spPr/>
         <p:txBody>
-          <a:bodyPr/>
+          <a:bodyPr>
+            <a:normAutofit fontScale="85000" lnSpcReduction="20000"/>
+          </a:bodyPr>
           <a:lstStyle/>
           <a:p>
             <a:r>
@@ -3803,6 +3852,72 @@
               <a:rPr lang="ja-JP" altLang="en-US" dirty="0"/>
               <a:t>Ｊｓ</a:t>
             </a:r>
+            <a:endParaRPr lang="en-US" altLang="ja-JP" dirty="0"/>
+          </a:p>
+          <a:p>
+            <a:r>
+              <a:rPr kumimoji="1" lang="ja-JP" altLang="en-US" dirty="0"/>
+              <a:t>ユーザーの認証（パスワードとか）もいる（写真と人を結びつける）</a:t>
+            </a:r>
+            <a:endParaRPr kumimoji="1" lang="en-US" altLang="ja-JP" dirty="0"/>
+          </a:p>
+          <a:p>
+            <a:r>
+              <a:rPr lang="ja-JP" altLang="en-US" dirty="0"/>
+              <a:t>権限とかも（管理者はいらないかな）</a:t>
+            </a:r>
+            <a:endParaRPr lang="en-US" altLang="ja-JP" dirty="0"/>
+          </a:p>
+          <a:p>
+            <a:r>
+              <a:rPr kumimoji="1" lang="ja-JP" altLang="en-US" dirty="0"/>
+              <a:t>写真ならストレージにいれる（</a:t>
+            </a:r>
+            <a:r>
+              <a:rPr kumimoji="1" lang="en-US" altLang="ja-JP" dirty="0"/>
+              <a:t>URL</a:t>
+            </a:r>
+            <a:r>
+              <a:rPr kumimoji="1" lang="ja-JP" altLang="en-US" dirty="0"/>
+              <a:t>を</a:t>
+            </a:r>
+            <a:r>
+              <a:rPr kumimoji="1" lang="en-US" altLang="ja-JP" dirty="0"/>
+              <a:t>DB</a:t>
+            </a:r>
+            <a:r>
+              <a:rPr kumimoji="1" lang="ja-JP" altLang="en-US" dirty="0"/>
+              <a:t>にいれる）</a:t>
+            </a:r>
+            <a:endParaRPr kumimoji="1" lang="en-US" altLang="ja-JP" dirty="0"/>
+          </a:p>
+          <a:p>
+            <a:r>
+              <a:rPr lang="ja-JP" altLang="en-US" dirty="0"/>
+              <a:t>とりまフロント、外部との連絡（天気、）</a:t>
+            </a:r>
+            <a:endParaRPr lang="en-US" altLang="ja-JP" dirty="0"/>
+          </a:p>
+          <a:p>
+            <a:r>
+              <a:rPr lang="en-US" altLang="ja-JP" dirty="0"/>
+              <a:t>Python</a:t>
+            </a:r>
+            <a:r>
+              <a:rPr lang="ja-JP" altLang="en-US" dirty="0"/>
+              <a:t>のファスト</a:t>
+            </a:r>
+            <a:r>
+              <a:rPr lang="en-US" altLang="ja-JP" dirty="0"/>
+              <a:t>API</a:t>
+            </a:r>
+            <a:r>
+              <a:rPr lang="ja-JP" altLang="en-US"/>
+              <a:t>（書きやすいけどデプロイ考えると、、）</a:t>
+            </a:r>
+            <a:endParaRPr lang="en-US" altLang="ja-JP" dirty="0"/>
+          </a:p>
+          <a:p>
             <a:endParaRPr kumimoji="1" lang="ja-JP" altLang="en-US" dirty="0"/>
           </a:p>
         </p:txBody>

--- a/栽培管理アプリ.pptx
+++ b/栽培管理アプリ.pptx
@@ -10,6 +10,7 @@
     <p:sldId id="258" r:id="rId4"/>
     <p:sldId id="260" r:id="rId5"/>
     <p:sldId id="259" r:id="rId6"/>
+    <p:sldId id="261" r:id="rId7"/>
   </p:sldIdLst>
   <p:sldSz cx="12192000" cy="6858000"/>
   <p:notesSz cx="6858000" cy="9144000"/>
@@ -119,7 +120,7 @@
 <file path=ppt/revisionInfo.xml><?xml version="1.0" encoding="utf-8"?>
 <p1510:revInfo xmlns:a="http://schemas.openxmlformats.org/drawingml/2006/main" xmlns:r="http://schemas.openxmlformats.org/officeDocument/2006/relationships" xmlns:p1510="http://schemas.microsoft.com/office/powerpoint/2015/10/main">
   <p1510:revLst>
-    <p1510:client id="{41EC861C-E0FC-44C0-BDC6-08522A4BDD28}" v="76" dt="2024-04-25T12:07:55.728"/>
+    <p1510:client id="{41EC861C-E0FC-44C0-BDC6-08522A4BDD28}" v="82" dt="2024-05-04T15:25:30.016"/>
   </p1510:revLst>
 </p1510:revInfo>
 </file>
@@ -128,8 +129,8 @@
 <pc:chgInfo xmlns:a="http://schemas.openxmlformats.org/drawingml/2006/main" xmlns:r="http://schemas.openxmlformats.org/officeDocument/2006/relationships" xmlns:ac="http://schemas.microsoft.com/office/drawing/2013/main/command" xmlns:pc="http://schemas.microsoft.com/office/powerpoint/2013/main/command">
   <pc:docChgLst>
     <pc:chgData name="明香里 松永" userId="27f5baf808fa12b4" providerId="LiveId" clId="{41EC861C-E0FC-44C0-BDC6-08522A4BDD28}"/>
-    <pc:docChg chg="undo custSel modSld">
-      <pc:chgData name="明香里 松永" userId="27f5baf808fa12b4" providerId="LiveId" clId="{41EC861C-E0FC-44C0-BDC6-08522A4BDD28}" dt="2024-04-25T12:07:55.727" v="381"/>
+    <pc:docChg chg="undo custSel addSld modSld">
+      <pc:chgData name="明香里 松永" userId="27f5baf808fa12b4" providerId="LiveId" clId="{41EC861C-E0FC-44C0-BDC6-08522A4BDD28}" dt="2024-05-04T15:27:07.088" v="444" actId="20577"/>
       <pc:docMkLst>
         <pc:docMk/>
       </pc:docMkLst>
@@ -162,6 +163,29 @@
             <ac:graphicFrameMk id="3" creationId="{7CE520C0-0C35-3517-2727-95BD54005723}"/>
           </ac:graphicFrameMkLst>
         </pc:graphicFrameChg>
+      </pc:sldChg>
+      <pc:sldChg chg="modSp new mod">
+        <pc:chgData name="明香里 松永" userId="27f5baf808fa12b4" providerId="LiveId" clId="{41EC861C-E0FC-44C0-BDC6-08522A4BDD28}" dt="2024-05-04T15:27:07.088" v="444" actId="20577"/>
+        <pc:sldMkLst>
+          <pc:docMk/>
+          <pc:sldMk cId="1835299972" sldId="261"/>
+        </pc:sldMkLst>
+        <pc:spChg chg="mod">
+          <ac:chgData name="明香里 松永" userId="27f5baf808fa12b4" providerId="LiveId" clId="{41EC861C-E0FC-44C0-BDC6-08522A4BDD28}" dt="2024-05-04T15:25:08.903" v="402" actId="14100"/>
+          <ac:spMkLst>
+            <pc:docMk/>
+            <pc:sldMk cId="1835299972" sldId="261"/>
+            <ac:spMk id="2" creationId="{A57BB6C3-C93A-3A4E-F53E-02B3BC787599}"/>
+          </ac:spMkLst>
+        </pc:spChg>
+        <pc:spChg chg="mod">
+          <ac:chgData name="明香里 松永" userId="27f5baf808fa12b4" providerId="LiveId" clId="{41EC861C-E0FC-44C0-BDC6-08522A4BDD28}" dt="2024-05-04T15:27:07.088" v="444" actId="20577"/>
+          <ac:spMkLst>
+            <pc:docMk/>
+            <pc:sldMk cId="1835299972" sldId="261"/>
+            <ac:spMk id="3" creationId="{339A6126-6E76-914F-3ADB-6CC1FC1C8677}"/>
+          </ac:spMkLst>
+        </pc:spChg>
       </pc:sldChg>
     </pc:docChg>
   </pc:docChgLst>
@@ -331,7 +355,7 @@
           <a:p>
             <a:fld id="{73B0F92B-9F92-46B5-BBF2-4E7824411A27}" type="datetimeFigureOut">
               <a:rPr kumimoji="1" lang="ja-JP" altLang="en-US" smtClean="0"/>
-              <a:t>2024/4/25</a:t>
+              <a:t>2024/5/5</a:t>
             </a:fld>
             <a:endParaRPr kumimoji="1" lang="ja-JP" altLang="en-US"/>
           </a:p>
@@ -561,7 +585,7 @@
           <a:p>
             <a:fld id="{73B0F92B-9F92-46B5-BBF2-4E7824411A27}" type="datetimeFigureOut">
               <a:rPr kumimoji="1" lang="ja-JP" altLang="en-US" smtClean="0"/>
-              <a:t>2024/4/25</a:t>
+              <a:t>2024/5/5</a:t>
             </a:fld>
             <a:endParaRPr kumimoji="1" lang="ja-JP" altLang="en-US"/>
           </a:p>
@@ -801,7 +825,7 @@
           <a:p>
             <a:fld id="{73B0F92B-9F92-46B5-BBF2-4E7824411A27}" type="datetimeFigureOut">
               <a:rPr kumimoji="1" lang="ja-JP" altLang="en-US" smtClean="0"/>
-              <a:t>2024/4/25</a:t>
+              <a:t>2024/5/5</a:t>
             </a:fld>
             <a:endParaRPr kumimoji="1" lang="ja-JP" altLang="en-US"/>
           </a:p>
@@ -1031,7 +1055,7 @@
           <a:p>
             <a:fld id="{73B0F92B-9F92-46B5-BBF2-4E7824411A27}" type="datetimeFigureOut">
               <a:rPr kumimoji="1" lang="ja-JP" altLang="en-US" smtClean="0"/>
-              <a:t>2024/4/25</a:t>
+              <a:t>2024/5/5</a:t>
             </a:fld>
             <a:endParaRPr kumimoji="1" lang="ja-JP" altLang="en-US"/>
           </a:p>
@@ -1306,7 +1330,7 @@
           <a:p>
             <a:fld id="{73B0F92B-9F92-46B5-BBF2-4E7824411A27}" type="datetimeFigureOut">
               <a:rPr kumimoji="1" lang="ja-JP" altLang="en-US" smtClean="0"/>
-              <a:t>2024/4/25</a:t>
+              <a:t>2024/5/5</a:t>
             </a:fld>
             <a:endParaRPr kumimoji="1" lang="ja-JP" altLang="en-US"/>
           </a:p>
@@ -1635,7 +1659,7 @@
           <a:p>
             <a:fld id="{73B0F92B-9F92-46B5-BBF2-4E7824411A27}" type="datetimeFigureOut">
               <a:rPr kumimoji="1" lang="ja-JP" altLang="en-US" smtClean="0"/>
-              <a:t>2024/4/25</a:t>
+              <a:t>2024/5/5</a:t>
             </a:fld>
             <a:endParaRPr kumimoji="1" lang="ja-JP" altLang="en-US"/>
           </a:p>
@@ -2111,7 +2135,7 @@
           <a:p>
             <a:fld id="{73B0F92B-9F92-46B5-BBF2-4E7824411A27}" type="datetimeFigureOut">
               <a:rPr kumimoji="1" lang="ja-JP" altLang="en-US" smtClean="0"/>
-              <a:t>2024/4/25</a:t>
+              <a:t>2024/5/5</a:t>
             </a:fld>
             <a:endParaRPr kumimoji="1" lang="ja-JP" altLang="en-US"/>
           </a:p>
@@ -2252,7 +2276,7 @@
           <a:p>
             <a:fld id="{73B0F92B-9F92-46B5-BBF2-4E7824411A27}" type="datetimeFigureOut">
               <a:rPr kumimoji="1" lang="ja-JP" altLang="en-US" smtClean="0"/>
-              <a:t>2024/4/25</a:t>
+              <a:t>2024/5/5</a:t>
             </a:fld>
             <a:endParaRPr kumimoji="1" lang="ja-JP" altLang="en-US"/>
           </a:p>
@@ -2365,7 +2389,7 @@
           <a:p>
             <a:fld id="{73B0F92B-9F92-46B5-BBF2-4E7824411A27}" type="datetimeFigureOut">
               <a:rPr kumimoji="1" lang="ja-JP" altLang="en-US" smtClean="0"/>
-              <a:t>2024/4/25</a:t>
+              <a:t>2024/5/5</a:t>
             </a:fld>
             <a:endParaRPr kumimoji="1" lang="ja-JP" altLang="en-US"/>
           </a:p>
@@ -2708,7 +2732,7 @@
           <a:p>
             <a:fld id="{73B0F92B-9F92-46B5-BBF2-4E7824411A27}" type="datetimeFigureOut">
               <a:rPr kumimoji="1" lang="ja-JP" altLang="en-US" smtClean="0"/>
-              <a:t>2024/4/25</a:t>
+              <a:t>2024/5/5</a:t>
             </a:fld>
             <a:endParaRPr kumimoji="1" lang="ja-JP" altLang="en-US"/>
           </a:p>
@@ -2996,7 +3020,7 @@
           <a:p>
             <a:fld id="{73B0F92B-9F92-46B5-BBF2-4E7824411A27}" type="datetimeFigureOut">
               <a:rPr kumimoji="1" lang="ja-JP" altLang="en-US" smtClean="0"/>
-              <a:t>2024/4/25</a:t>
+              <a:t>2024/5/5</a:t>
             </a:fld>
             <a:endParaRPr kumimoji="1" lang="ja-JP" altLang="en-US"/>
           </a:p>
@@ -3269,7 +3293,7 @@
           <a:p>
             <a:fld id="{73B0F92B-9F92-46B5-BBF2-4E7824411A27}" type="datetimeFigureOut">
               <a:rPr kumimoji="1" lang="ja-JP" altLang="en-US" smtClean="0"/>
-              <a:t>2024/4/25</a:t>
+              <a:t>2024/5/5</a:t>
             </a:fld>
             <a:endParaRPr kumimoji="1" lang="ja-JP" altLang="en-US"/>
           </a:p>
@@ -6482,6 +6506,153 @@
 </p:sld>
 </file>
 
+<file path=ppt/slides/slide6.xml><?xml version="1.0" encoding="utf-8"?>
+<p:sld xmlns:a="http://schemas.openxmlformats.org/drawingml/2006/main" xmlns:r="http://schemas.openxmlformats.org/officeDocument/2006/relationships" xmlns:p="http://schemas.openxmlformats.org/presentationml/2006/main">
+  <p:cSld>
+    <p:spTree>
+      <p:nvGrpSpPr>
+        <p:cNvPr id="1" name=""/>
+        <p:cNvGrpSpPr/>
+        <p:nvPr/>
+      </p:nvGrpSpPr>
+      <p:grpSpPr>
+        <a:xfrm>
+          <a:off x="0" y="0"/>
+          <a:ext cx="0" cy="0"/>
+          <a:chOff x="0" y="0"/>
+          <a:chExt cx="0" cy="0"/>
+        </a:xfrm>
+      </p:grpSpPr>
+      <p:sp>
+        <p:nvSpPr>
+          <p:cNvPr id="2" name="タイトル 1">
+            <a:extLst>
+              <a:ext uri="{FF2B5EF4-FFF2-40B4-BE49-F238E27FC236}">
+                <a16:creationId xmlns:a16="http://schemas.microsoft.com/office/drawing/2014/main" id="{A57BB6C3-C93A-3A4E-F53E-02B3BC787599}"/>
+              </a:ext>
+            </a:extLst>
+          </p:cNvPr>
+          <p:cNvSpPr>
+            <a:spLocks noGrp="1"/>
+          </p:cNvSpPr>
+          <p:nvPr>
+            <p:ph type="title"/>
+          </p:nvPr>
+        </p:nvSpPr>
+        <p:spPr>
+          <a:xfrm>
+            <a:off x="838200" y="365126"/>
+            <a:ext cx="10515600" cy="966718"/>
+          </a:xfrm>
+        </p:spPr>
+        <p:txBody>
+          <a:bodyPr/>
+          <a:lstStyle/>
+          <a:p>
+            <a:r>
+              <a:rPr kumimoji="1" lang="ja-JP" altLang="en-US" dirty="0"/>
+              <a:t>参考資料</a:t>
+            </a:r>
+          </a:p>
+        </p:txBody>
+      </p:sp>
+      <p:sp>
+        <p:nvSpPr>
+          <p:cNvPr id="3" name="コンテンツ プレースホルダー 2">
+            <a:extLst>
+              <a:ext uri="{FF2B5EF4-FFF2-40B4-BE49-F238E27FC236}">
+                <a16:creationId xmlns:a16="http://schemas.microsoft.com/office/drawing/2014/main" id="{339A6126-6E76-914F-3ADB-6CC1FC1C8677}"/>
+              </a:ext>
+            </a:extLst>
+          </p:cNvPr>
+          <p:cNvSpPr>
+            <a:spLocks noGrp="1"/>
+          </p:cNvSpPr>
+          <p:nvPr>
+            <p:ph idx="1"/>
+          </p:nvPr>
+        </p:nvSpPr>
+        <p:spPr>
+          <a:xfrm>
+            <a:off x="838200" y="1053548"/>
+            <a:ext cx="10515600" cy="5123415"/>
+          </a:xfrm>
+        </p:spPr>
+        <p:txBody>
+          <a:bodyPr/>
+          <a:lstStyle/>
+          <a:p>
+            <a:r>
+              <a:rPr lang="en-US" altLang="ja-JP" dirty="0"/>
+              <a:t>[PostgreSQL</a:t>
+            </a:r>
+            <a:r>
+              <a:rPr lang="ja-JP" altLang="en-US" dirty="0"/>
+              <a:t>のインストール</a:t>
+            </a:r>
+            <a:r>
+              <a:rPr lang="en-US" altLang="ja-JP" dirty="0"/>
+              <a:t>](</a:t>
+            </a:r>
+            <a:r>
+              <a:rPr lang="en-US" altLang="ja-JP" dirty="0">
+                <a:hlinkClick r:id="rId2"/>
+              </a:rPr>
+              <a:t>PostgreSQL </a:t>
+            </a:r>
+            <a:r>
+              <a:rPr lang="ja-JP" altLang="en-US" dirty="0">
+                <a:hlinkClick r:id="rId2"/>
+              </a:rPr>
+              <a:t>を </a:t>
+            </a:r>
+            <a:r>
+              <a:rPr lang="en-US" altLang="ja-JP" dirty="0">
+                <a:hlinkClick r:id="rId2"/>
+              </a:rPr>
+              <a:t>Windows </a:t>
+            </a:r>
+            <a:r>
+              <a:rPr lang="ja-JP" altLang="en-US" dirty="0">
+                <a:hlinkClick r:id="rId2"/>
+              </a:rPr>
+              <a:t>にインストールするには </a:t>
+            </a:r>
+            <a:r>
+              <a:rPr lang="en-US" altLang="ja-JP" dirty="0">
+                <a:hlinkClick r:id="rId2"/>
+              </a:rPr>
+              <a:t>#Windows – </a:t>
+            </a:r>
+            <a:r>
+              <a:rPr lang="en-US" altLang="ja-JP" dirty="0" err="1">
+                <a:hlinkClick r:id="rId2"/>
+              </a:rPr>
+              <a:t>Qiita</a:t>
+            </a:r>
+            <a:r>
+              <a:rPr lang="en-US" altLang="ja-JP"/>
+              <a:t>)</a:t>
+            </a:r>
+          </a:p>
+          <a:p>
+            <a:endParaRPr kumimoji="1" lang="ja-JP" altLang="en-US" dirty="0"/>
+          </a:p>
+        </p:txBody>
+      </p:sp>
+    </p:spTree>
+    <p:extLst>
+      <p:ext uri="{BB962C8B-B14F-4D97-AF65-F5344CB8AC3E}">
+        <p14:creationId xmlns:p14="http://schemas.microsoft.com/office/powerpoint/2010/main" val="1835299972"/>
+      </p:ext>
+    </p:extLst>
+  </p:cSld>
+  <p:clrMapOvr>
+    <a:masterClrMapping/>
+  </p:clrMapOvr>
+</p:sld>
+</file>
+
 <file path=ppt/theme/theme1.xml><?xml version="1.0" encoding="utf-8"?>
 <a:theme xmlns:a="http://schemas.openxmlformats.org/drawingml/2006/main" name="Office テーマ">
   <a:themeElements>

--- a/栽培管理アプリ.pptx
+++ b/栽培管理アプリ.pptx
@@ -11,6 +11,8 @@
     <p:sldId id="260" r:id="rId5"/>
     <p:sldId id="259" r:id="rId6"/>
     <p:sldId id="261" r:id="rId7"/>
+    <p:sldId id="262" r:id="rId8"/>
+    <p:sldId id="263" r:id="rId9"/>
   </p:sldIdLst>
   <p:sldSz cx="12192000" cy="6858000"/>
   <p:notesSz cx="6858000" cy="9144000"/>
@@ -120,7 +122,7 @@
 <file path=ppt/revisionInfo.xml><?xml version="1.0" encoding="utf-8"?>
 <p1510:revInfo xmlns:a="http://schemas.openxmlformats.org/drawingml/2006/main" xmlns:r="http://schemas.openxmlformats.org/officeDocument/2006/relationships" xmlns:p1510="http://schemas.microsoft.com/office/powerpoint/2015/10/main">
   <p1510:revLst>
-    <p1510:client id="{41EC861C-E0FC-44C0-BDC6-08522A4BDD28}" v="82" dt="2024-05-04T15:25:30.016"/>
+    <p1510:client id="{41EC861C-E0FC-44C0-BDC6-08522A4BDD28}" v="174" dt="2024-05-05T09:57:10.551"/>
   </p1510:revLst>
 </p1510:revInfo>
 </file>
@@ -130,7 +132,7 @@
   <pc:docChgLst>
     <pc:chgData name="明香里 松永" userId="27f5baf808fa12b4" providerId="LiveId" clId="{41EC861C-E0FC-44C0-BDC6-08522A4BDD28}"/>
     <pc:docChg chg="undo custSel addSld modSld">
-      <pc:chgData name="明香里 松永" userId="27f5baf808fa12b4" providerId="LiveId" clId="{41EC861C-E0FC-44C0-BDC6-08522A4BDD28}" dt="2024-05-04T15:27:07.088" v="444" actId="20577"/>
+      <pc:chgData name="明香里 松永" userId="27f5baf808fa12b4" providerId="LiveId" clId="{41EC861C-E0FC-44C0-BDC6-08522A4BDD28}" dt="2024-05-05T10:21:07.122" v="968"/>
       <pc:docMkLst>
         <pc:docMk/>
       </pc:docMkLst>
@@ -165,7 +167,7 @@
         </pc:graphicFrameChg>
       </pc:sldChg>
       <pc:sldChg chg="modSp new mod">
-        <pc:chgData name="明香里 松永" userId="27f5baf808fa12b4" providerId="LiveId" clId="{41EC861C-E0FC-44C0-BDC6-08522A4BDD28}" dt="2024-05-04T15:27:07.088" v="444" actId="20577"/>
+        <pc:chgData name="明香里 松永" userId="27f5baf808fa12b4" providerId="LiveId" clId="{41EC861C-E0FC-44C0-BDC6-08522A4BDD28}" dt="2024-05-05T09:57:16.468" v="966" actId="20577"/>
         <pc:sldMkLst>
           <pc:docMk/>
           <pc:sldMk cId="1835299972" sldId="261"/>
@@ -179,11 +181,49 @@
           </ac:spMkLst>
         </pc:spChg>
         <pc:spChg chg="mod">
-          <ac:chgData name="明香里 松永" userId="27f5baf808fa12b4" providerId="LiveId" clId="{41EC861C-E0FC-44C0-BDC6-08522A4BDD28}" dt="2024-05-04T15:27:07.088" v="444" actId="20577"/>
+          <ac:chgData name="明香里 松永" userId="27f5baf808fa12b4" providerId="LiveId" clId="{41EC861C-E0FC-44C0-BDC6-08522A4BDD28}" dt="2024-05-05T09:57:16.468" v="966" actId="20577"/>
           <ac:spMkLst>
             <pc:docMk/>
             <pc:sldMk cId="1835299972" sldId="261"/>
             <ac:spMk id="3" creationId="{339A6126-6E76-914F-3ADB-6CC1FC1C8677}"/>
+          </ac:spMkLst>
+        </pc:spChg>
+      </pc:sldChg>
+      <pc:sldChg chg="modSp new mod">
+        <pc:chgData name="明香里 松永" userId="27f5baf808fa12b4" providerId="LiveId" clId="{41EC861C-E0FC-44C0-BDC6-08522A4BDD28}" dt="2024-05-05T04:20:14.561" v="600"/>
+        <pc:sldMkLst>
+          <pc:docMk/>
+          <pc:sldMk cId="3255471340" sldId="262"/>
+        </pc:sldMkLst>
+        <pc:spChg chg="mod">
+          <ac:chgData name="明香里 松永" userId="27f5baf808fa12b4" providerId="LiveId" clId="{41EC861C-E0FC-44C0-BDC6-08522A4BDD28}" dt="2024-05-05T04:14:20.515" v="458"/>
+          <ac:spMkLst>
+            <pc:docMk/>
+            <pc:sldMk cId="3255471340" sldId="262"/>
+            <ac:spMk id="2" creationId="{7C0CC9C1-95A7-8674-B3B1-B79D9CB52627}"/>
+          </ac:spMkLst>
+        </pc:spChg>
+        <pc:spChg chg="mod">
+          <ac:chgData name="明香里 松永" userId="27f5baf808fa12b4" providerId="LiveId" clId="{41EC861C-E0FC-44C0-BDC6-08522A4BDD28}" dt="2024-05-05T04:20:14.561" v="600"/>
+          <ac:spMkLst>
+            <pc:docMk/>
+            <pc:sldMk cId="3255471340" sldId="262"/>
+            <ac:spMk id="3" creationId="{8A37B966-1C37-0344-2EB2-15E8ACAEB445}"/>
+          </ac:spMkLst>
+        </pc:spChg>
+      </pc:sldChg>
+      <pc:sldChg chg="modSp new mod">
+        <pc:chgData name="明香里 松永" userId="27f5baf808fa12b4" providerId="LiveId" clId="{41EC861C-E0FC-44C0-BDC6-08522A4BDD28}" dt="2024-05-05T10:21:07.122" v="968"/>
+        <pc:sldMkLst>
+          <pc:docMk/>
+          <pc:sldMk cId="1894474831" sldId="263"/>
+        </pc:sldMkLst>
+        <pc:spChg chg="mod">
+          <ac:chgData name="明香里 松永" userId="27f5baf808fa12b4" providerId="LiveId" clId="{41EC861C-E0FC-44C0-BDC6-08522A4BDD28}" dt="2024-05-05T10:21:07.122" v="968"/>
+          <ac:spMkLst>
+            <pc:docMk/>
+            <pc:sldMk cId="1894474831" sldId="263"/>
+            <ac:spMk id="3" creationId="{AB8DED95-6A25-C4EF-421C-4645F71F587A}"/>
           </ac:spMkLst>
         </pc:spChg>
       </pc:sldChg>
@@ -6631,9 +6671,64 @@
               <a:t>Qiita</a:t>
             </a:r>
             <a:r>
+              <a:rPr lang="en-US" altLang="ja-JP" dirty="0"/>
+              <a:t>)</a:t>
+            </a:r>
+          </a:p>
+          <a:p>
+            <a:r>
+              <a:rPr lang="en-US" altLang="ja-JP" dirty="0"/>
+              <a:t>[MySQL</a:t>
+            </a:r>
+            <a:r>
+              <a:rPr lang="ja-JP" altLang="en-US" dirty="0"/>
+              <a:t>のインストール</a:t>
+            </a:r>
+            <a:r>
+              <a:rPr lang="en-US" altLang="ja-JP" dirty="0"/>
+              <a:t>](</a:t>
+            </a:r>
+            <a:r>
+              <a:rPr lang="en-US" altLang="ja-JP" dirty="0">
+                <a:hlinkClick r:id="rId3"/>
+              </a:rPr>
+              <a:t>Ubuntu 20.04</a:t>
+            </a:r>
+            <a:r>
+              <a:rPr lang="ja-JP" altLang="en-US" dirty="0">
+                <a:hlinkClick r:id="rId3"/>
+              </a:rPr>
+              <a:t>に</a:t>
+            </a:r>
+            <a:r>
+              <a:rPr lang="en-US" altLang="ja-JP" dirty="0">
+                <a:hlinkClick r:id="rId3"/>
+              </a:rPr>
+              <a:t>MySQL</a:t>
+            </a:r>
+            <a:r>
+              <a:rPr lang="ja-JP" altLang="en-US" dirty="0">
+                <a:hlinkClick r:id="rId3"/>
+              </a:rPr>
+              <a:t>をインストールする方法 </a:t>
+            </a:r>
+            <a:r>
+              <a:rPr lang="en-US" altLang="ja-JP" dirty="0">
+                <a:hlinkClick r:id="rId3"/>
+              </a:rPr>
+              <a:t>| </a:t>
+            </a:r>
+            <a:r>
+              <a:rPr lang="en-US" altLang="ja-JP" dirty="0" err="1">
+                <a:hlinkClick r:id="rId3"/>
+              </a:rPr>
+              <a:t>DigitalOcean</a:t>
+            </a:r>
+            <a:r>
               <a:rPr lang="en-US" altLang="ja-JP"/>
               <a:t>)</a:t>
             </a:r>
+            <a:endParaRPr lang="en-US" altLang="ja-JP" dirty="0"/>
           </a:p>
           <a:p>
             <a:endParaRPr kumimoji="1" lang="ja-JP" altLang="en-US" dirty="0"/>
@@ -6644,6 +6739,324 @@
     <p:extLst>
       <p:ext uri="{BB962C8B-B14F-4D97-AF65-F5344CB8AC3E}">
         <p14:creationId xmlns:p14="http://schemas.microsoft.com/office/powerpoint/2010/main" val="1835299972"/>
+      </p:ext>
+    </p:extLst>
+  </p:cSld>
+  <p:clrMapOvr>
+    <a:masterClrMapping/>
+  </p:clrMapOvr>
+</p:sld>
+</file>
+
+<file path=ppt/slides/slide7.xml><?xml version="1.0" encoding="utf-8"?>
+<p:sld xmlns:a="http://schemas.openxmlformats.org/drawingml/2006/main" xmlns:r="http://schemas.openxmlformats.org/officeDocument/2006/relationships" xmlns:p="http://schemas.openxmlformats.org/presentationml/2006/main">
+  <p:cSld>
+    <p:spTree>
+      <p:nvGrpSpPr>
+        <p:cNvPr id="1" name=""/>
+        <p:cNvGrpSpPr/>
+        <p:nvPr/>
+      </p:nvGrpSpPr>
+      <p:grpSpPr>
+        <a:xfrm>
+          <a:off x="0" y="0"/>
+          <a:ext cx="0" cy="0"/>
+          <a:chOff x="0" y="0"/>
+          <a:chExt cx="0" cy="0"/>
+        </a:xfrm>
+      </p:grpSpPr>
+      <p:sp>
+        <p:nvSpPr>
+          <p:cNvPr id="2" name="タイトル 1">
+            <a:extLst>
+              <a:ext uri="{FF2B5EF4-FFF2-40B4-BE49-F238E27FC236}">
+                <a16:creationId xmlns:a16="http://schemas.microsoft.com/office/drawing/2014/main" id="{7C0CC9C1-95A7-8674-B3B1-B79D9CB52627}"/>
+              </a:ext>
+            </a:extLst>
+          </p:cNvPr>
+          <p:cNvSpPr>
+            <a:spLocks noGrp="1"/>
+          </p:cNvSpPr>
+          <p:nvPr>
+            <p:ph type="title"/>
+          </p:nvPr>
+        </p:nvSpPr>
+        <p:spPr/>
+        <p:txBody>
+          <a:bodyPr/>
+          <a:lstStyle/>
+          <a:p>
+            <a:r>
+              <a:rPr kumimoji="1" lang="ja-JP" altLang="en-US" dirty="0"/>
+              <a:t>わからん</a:t>
+            </a:r>
+          </a:p>
+        </p:txBody>
+      </p:sp>
+      <p:sp>
+        <p:nvSpPr>
+          <p:cNvPr id="3" name="コンテンツ プレースホルダー 2">
+            <a:extLst>
+              <a:ext uri="{FF2B5EF4-FFF2-40B4-BE49-F238E27FC236}">
+                <a16:creationId xmlns:a16="http://schemas.microsoft.com/office/drawing/2014/main" id="{8A37B966-1C37-0344-2EB2-15E8ACAEB445}"/>
+              </a:ext>
+            </a:extLst>
+          </p:cNvPr>
+          <p:cNvSpPr>
+            <a:spLocks noGrp="1"/>
+          </p:cNvSpPr>
+          <p:nvPr>
+            <p:ph idx="1"/>
+          </p:nvPr>
+        </p:nvSpPr>
+        <p:spPr/>
+        <p:txBody>
+          <a:bodyPr/>
+          <a:lstStyle/>
+          <a:p>
+            <a:r>
+              <a:rPr kumimoji="1" lang="en-US" altLang="ja-JP" dirty="0"/>
+              <a:t>DB</a:t>
+            </a:r>
+            <a:r>
+              <a:rPr kumimoji="1" lang="ja-JP" altLang="en-US" dirty="0"/>
+              <a:t>の関係性（</a:t>
+            </a:r>
+            <a:r>
+              <a:rPr kumimoji="1" lang="en-US" altLang="ja-JP" dirty="0" err="1"/>
+              <a:t>js</a:t>
+            </a:r>
+            <a:r>
+              <a:rPr kumimoji="1" lang="ja-JP" altLang="en-US" dirty="0"/>
+              <a:t>がクライアント、</a:t>
+            </a:r>
+            <a:r>
+              <a:rPr kumimoji="1" lang="en-US" altLang="ja-JP" dirty="0" err="1"/>
+              <a:t>fastapi</a:t>
+            </a:r>
+            <a:r>
+              <a:rPr kumimoji="1" lang="ja-JP" altLang="en-US" dirty="0"/>
+              <a:t>が</a:t>
+            </a:r>
+            <a:r>
+              <a:rPr kumimoji="1" lang="en-US" altLang="ja-JP" dirty="0"/>
+              <a:t>API</a:t>
+            </a:r>
+            <a:r>
+              <a:rPr kumimoji="1" lang="ja-JP" altLang="en-US" dirty="0"/>
+              <a:t>サーバ、</a:t>
+            </a:r>
+            <a:r>
+              <a:rPr kumimoji="1" lang="en-US" altLang="ja-JP" dirty="0"/>
+              <a:t>DB)</a:t>
+            </a:r>
+            <a:r>
+              <a:rPr kumimoji="1" lang="ja-JP" altLang="en-US" dirty="0"/>
+              <a:t>は分かったけどコードどうするの？</a:t>
+            </a:r>
+          </a:p>
+        </p:txBody>
+      </p:sp>
+    </p:spTree>
+    <p:extLst>
+      <p:ext uri="{BB962C8B-B14F-4D97-AF65-F5344CB8AC3E}">
+        <p14:creationId xmlns:p14="http://schemas.microsoft.com/office/powerpoint/2010/main" val="3255471340"/>
+      </p:ext>
+    </p:extLst>
+  </p:cSld>
+  <p:clrMapOvr>
+    <a:masterClrMapping/>
+  </p:clrMapOvr>
+</p:sld>
+</file>
+
+<file path=ppt/slides/slide8.xml><?xml version="1.0" encoding="utf-8"?>
+<p:sld xmlns:a="http://schemas.openxmlformats.org/drawingml/2006/main" xmlns:r="http://schemas.openxmlformats.org/officeDocument/2006/relationships" xmlns:p="http://schemas.openxmlformats.org/presentationml/2006/main">
+  <p:cSld>
+    <p:spTree>
+      <p:nvGrpSpPr>
+        <p:cNvPr id="1" name=""/>
+        <p:cNvGrpSpPr/>
+        <p:nvPr/>
+      </p:nvGrpSpPr>
+      <p:grpSpPr>
+        <a:xfrm>
+          <a:off x="0" y="0"/>
+          <a:ext cx="0" cy="0"/>
+          <a:chOff x="0" y="0"/>
+          <a:chExt cx="0" cy="0"/>
+        </a:xfrm>
+      </p:grpSpPr>
+      <p:sp>
+        <p:nvSpPr>
+          <p:cNvPr id="2" name="タイトル 1">
+            <a:extLst>
+              <a:ext uri="{FF2B5EF4-FFF2-40B4-BE49-F238E27FC236}">
+                <a16:creationId xmlns:a16="http://schemas.microsoft.com/office/drawing/2014/main" id="{B0A5AF18-DF74-1C44-DD5B-A4A6ED1CDE22}"/>
+              </a:ext>
+            </a:extLst>
+          </p:cNvPr>
+          <p:cNvSpPr>
+            <a:spLocks noGrp="1"/>
+          </p:cNvSpPr>
+          <p:nvPr>
+            <p:ph type="title"/>
+          </p:nvPr>
+        </p:nvSpPr>
+        <p:spPr/>
+        <p:txBody>
+          <a:bodyPr/>
+          <a:lstStyle/>
+          <a:p>
+            <a:endParaRPr kumimoji="1" lang="ja-JP" altLang="en-US"/>
+          </a:p>
+        </p:txBody>
+      </p:sp>
+      <p:sp>
+        <p:nvSpPr>
+          <p:cNvPr id="3" name="コンテンツ プレースホルダー 2">
+            <a:extLst>
+              <a:ext uri="{FF2B5EF4-FFF2-40B4-BE49-F238E27FC236}">
+                <a16:creationId xmlns:a16="http://schemas.microsoft.com/office/drawing/2014/main" id="{AB8DED95-6A25-C4EF-421C-4645F71F587A}"/>
+              </a:ext>
+            </a:extLst>
+          </p:cNvPr>
+          <p:cNvSpPr>
+            <a:spLocks noGrp="1"/>
+          </p:cNvSpPr>
+          <p:nvPr>
+            <p:ph idx="1"/>
+          </p:nvPr>
+        </p:nvSpPr>
+        <p:spPr/>
+        <p:txBody>
+          <a:bodyPr/>
+          <a:lstStyle/>
+          <a:p>
+            <a:r>
+              <a:rPr kumimoji="1" lang="ja-JP" altLang="en-US" dirty="0"/>
+              <a:t>誤解してたこと</a:t>
+            </a:r>
+            <a:endParaRPr kumimoji="1" lang="en-US" altLang="ja-JP" dirty="0"/>
+          </a:p>
+          <a:p>
+            <a:pPr marL="0" indent="0">
+              <a:buNone/>
+            </a:pPr>
+            <a:r>
+              <a:rPr lang="en-US" altLang="ja-JP" dirty="0" err="1"/>
+              <a:t>Js</a:t>
+            </a:r>
+            <a:r>
+              <a:rPr lang="ja-JP" altLang="en-US" dirty="0"/>
+              <a:t>がバックエンドっていう印象が強すぎて</a:t>
+            </a:r>
+            <a:r>
+              <a:rPr lang="en-US" altLang="ja-JP" dirty="0" err="1"/>
+              <a:t>fastapi</a:t>
+            </a:r>
+            <a:r>
+              <a:rPr lang="ja-JP" altLang="en-US" dirty="0"/>
+              <a:t>混同</a:t>
+            </a:r>
+            <a:endParaRPr lang="en-US" altLang="ja-JP" dirty="0"/>
+          </a:p>
+          <a:p>
+            <a:pPr marL="0" indent="0">
+              <a:buNone/>
+            </a:pPr>
+            <a:r>
+              <a:rPr lang="ja-JP" altLang="en-US" dirty="0"/>
+              <a:t>⇨</a:t>
+            </a:r>
+            <a:r>
+              <a:rPr lang="en-US" altLang="ja-JP" dirty="0" err="1"/>
+              <a:t>fastapi</a:t>
+            </a:r>
+            <a:r>
+              <a:rPr lang="ja-JP" altLang="en-US" dirty="0"/>
+              <a:t>に書くのが</a:t>
+            </a:r>
+            <a:r>
+              <a:rPr lang="en-US" altLang="ja-JP" dirty="0"/>
+              <a:t>DB</a:t>
+            </a:r>
+            <a:r>
+              <a:rPr lang="ja-JP" altLang="en-US" dirty="0"/>
+              <a:t>に接続、操作、リクエスト対応コード</a:t>
+            </a:r>
+            <a:endParaRPr lang="en-US" altLang="ja-JP" dirty="0"/>
+          </a:p>
+          <a:p>
+            <a:pPr marL="0" indent="0">
+              <a:buNone/>
+            </a:pPr>
+            <a:r>
+              <a:rPr lang="ja-JP" altLang="en-US" dirty="0"/>
+              <a:t>　</a:t>
+            </a:r>
+            <a:r>
+              <a:rPr lang="en-US" altLang="ja-JP" dirty="0" err="1"/>
+              <a:t>js</a:t>
+            </a:r>
+            <a:r>
+              <a:rPr lang="ja-JP" altLang="en-US" dirty="0"/>
+              <a:t>に書くのが</a:t>
+            </a:r>
+            <a:r>
+              <a:rPr lang="en-US" altLang="ja-JP" dirty="0"/>
+              <a:t>API</a:t>
+            </a:r>
+            <a:r>
+              <a:rPr lang="ja-JP" altLang="en-US" dirty="0"/>
+              <a:t>サーバへのリクエストを送るコード</a:t>
+            </a:r>
+            <a:endParaRPr lang="en-US" altLang="ja-JP" dirty="0"/>
+          </a:p>
+          <a:p>
+            <a:r>
+              <a:rPr kumimoji="1" lang="en-US" altLang="ja-JP" dirty="0" err="1"/>
+              <a:t>psycopg</a:t>
+            </a:r>
+            <a:r>
+              <a:rPr kumimoji="1" lang="ja-JP" altLang="en-US" dirty="0"/>
+              <a:t>⇨</a:t>
+            </a:r>
+            <a:r>
+              <a:rPr kumimoji="1" lang="en-US" altLang="ja-JP" dirty="0" err="1"/>
+              <a:t>mysql</a:t>
+            </a:r>
+            <a:endParaRPr kumimoji="1" lang="en-US" altLang="ja-JP" dirty="0"/>
+          </a:p>
+          <a:p>
+            <a:r>
+              <a:rPr kumimoji="1" lang="en-US" altLang="ja-JP" dirty="0"/>
+              <a:t> CREATE USER '</a:t>
+            </a:r>
+            <a:r>
+              <a:rPr kumimoji="1" lang="en-US" altLang="ja-JP" dirty="0" err="1"/>
+              <a:t>matsu</a:t>
+            </a:r>
+            <a:r>
+              <a:rPr kumimoji="1" lang="en-US" altLang="ja-JP" dirty="0"/>
+              <a:t>'@'localhost' IDENTIFIED WITH </a:t>
+            </a:r>
+            <a:r>
+              <a:rPr kumimoji="1" lang="en-US" altLang="ja-JP" dirty="0" err="1"/>
+              <a:t>mysql_native_password</a:t>
+            </a:r>
+            <a:r>
+              <a:rPr kumimoji="1" lang="en-US" altLang="ja-JP"/>
+              <a:t> BY 'password';</a:t>
+            </a:r>
+            <a:endParaRPr kumimoji="1" lang="ja-JP" altLang="en-US" dirty="0"/>
+          </a:p>
+        </p:txBody>
+      </p:sp>
+    </p:spTree>
+    <p:extLst>
+      <p:ext uri="{BB962C8B-B14F-4D97-AF65-F5344CB8AC3E}">
+        <p14:creationId xmlns:p14="http://schemas.microsoft.com/office/powerpoint/2010/main" val="1894474831"/>
       </p:ext>
     </p:extLst>
   </p:cSld>

--- a/栽培管理アプリ.pptx
+++ b/栽培管理アプリ.pptx
@@ -395,7 +395,7 @@
           <a:p>
             <a:fld id="{73B0F92B-9F92-46B5-BBF2-4E7824411A27}" type="datetimeFigureOut">
               <a:rPr kumimoji="1" lang="ja-JP" altLang="en-US" smtClean="0"/>
-              <a:t>2024/5/5</a:t>
+              <a:t>2024/5/12</a:t>
             </a:fld>
             <a:endParaRPr kumimoji="1" lang="ja-JP" altLang="en-US"/>
           </a:p>
@@ -625,7 +625,7 @@
           <a:p>
             <a:fld id="{73B0F92B-9F92-46B5-BBF2-4E7824411A27}" type="datetimeFigureOut">
               <a:rPr kumimoji="1" lang="ja-JP" altLang="en-US" smtClean="0"/>
-              <a:t>2024/5/5</a:t>
+              <a:t>2024/5/12</a:t>
             </a:fld>
             <a:endParaRPr kumimoji="1" lang="ja-JP" altLang="en-US"/>
           </a:p>
@@ -865,7 +865,7 @@
           <a:p>
             <a:fld id="{73B0F92B-9F92-46B5-BBF2-4E7824411A27}" type="datetimeFigureOut">
               <a:rPr kumimoji="1" lang="ja-JP" altLang="en-US" smtClean="0"/>
-              <a:t>2024/5/5</a:t>
+              <a:t>2024/5/12</a:t>
             </a:fld>
             <a:endParaRPr kumimoji="1" lang="ja-JP" altLang="en-US"/>
           </a:p>
@@ -1095,7 +1095,7 @@
           <a:p>
             <a:fld id="{73B0F92B-9F92-46B5-BBF2-4E7824411A27}" type="datetimeFigureOut">
               <a:rPr kumimoji="1" lang="ja-JP" altLang="en-US" smtClean="0"/>
-              <a:t>2024/5/5</a:t>
+              <a:t>2024/5/12</a:t>
             </a:fld>
             <a:endParaRPr kumimoji="1" lang="ja-JP" altLang="en-US"/>
           </a:p>
@@ -1370,7 +1370,7 @@
           <a:p>
             <a:fld id="{73B0F92B-9F92-46B5-BBF2-4E7824411A27}" type="datetimeFigureOut">
               <a:rPr kumimoji="1" lang="ja-JP" altLang="en-US" smtClean="0"/>
-              <a:t>2024/5/5</a:t>
+              <a:t>2024/5/12</a:t>
             </a:fld>
             <a:endParaRPr kumimoji="1" lang="ja-JP" altLang="en-US"/>
           </a:p>
@@ -1699,7 +1699,7 @@
           <a:p>
             <a:fld id="{73B0F92B-9F92-46B5-BBF2-4E7824411A27}" type="datetimeFigureOut">
               <a:rPr kumimoji="1" lang="ja-JP" altLang="en-US" smtClean="0"/>
-              <a:t>2024/5/5</a:t>
+              <a:t>2024/5/12</a:t>
             </a:fld>
             <a:endParaRPr kumimoji="1" lang="ja-JP" altLang="en-US"/>
           </a:p>
@@ -2175,7 +2175,7 @@
           <a:p>
             <a:fld id="{73B0F92B-9F92-46B5-BBF2-4E7824411A27}" type="datetimeFigureOut">
               <a:rPr kumimoji="1" lang="ja-JP" altLang="en-US" smtClean="0"/>
-              <a:t>2024/5/5</a:t>
+              <a:t>2024/5/12</a:t>
             </a:fld>
             <a:endParaRPr kumimoji="1" lang="ja-JP" altLang="en-US"/>
           </a:p>
@@ -2316,7 +2316,7 @@
           <a:p>
             <a:fld id="{73B0F92B-9F92-46B5-BBF2-4E7824411A27}" type="datetimeFigureOut">
               <a:rPr kumimoji="1" lang="ja-JP" altLang="en-US" smtClean="0"/>
-              <a:t>2024/5/5</a:t>
+              <a:t>2024/5/12</a:t>
             </a:fld>
             <a:endParaRPr kumimoji="1" lang="ja-JP" altLang="en-US"/>
           </a:p>
@@ -2429,7 +2429,7 @@
           <a:p>
             <a:fld id="{73B0F92B-9F92-46B5-BBF2-4E7824411A27}" type="datetimeFigureOut">
               <a:rPr kumimoji="1" lang="ja-JP" altLang="en-US" smtClean="0"/>
-              <a:t>2024/5/5</a:t>
+              <a:t>2024/5/12</a:t>
             </a:fld>
             <a:endParaRPr kumimoji="1" lang="ja-JP" altLang="en-US"/>
           </a:p>
@@ -2772,7 +2772,7 @@
           <a:p>
             <a:fld id="{73B0F92B-9F92-46B5-BBF2-4E7824411A27}" type="datetimeFigureOut">
               <a:rPr kumimoji="1" lang="ja-JP" altLang="en-US" smtClean="0"/>
-              <a:t>2024/5/5</a:t>
+              <a:t>2024/5/12</a:t>
             </a:fld>
             <a:endParaRPr kumimoji="1" lang="ja-JP" altLang="en-US"/>
           </a:p>
@@ -3060,7 +3060,7 @@
           <a:p>
             <a:fld id="{73B0F92B-9F92-46B5-BBF2-4E7824411A27}" type="datetimeFigureOut">
               <a:rPr kumimoji="1" lang="ja-JP" altLang="en-US" smtClean="0"/>
-              <a:t>2024/5/5</a:t>
+              <a:t>2024/5/12</a:t>
             </a:fld>
             <a:endParaRPr kumimoji="1" lang="ja-JP" altLang="en-US"/>
           </a:p>
@@ -3333,7 +3333,7 @@
           <a:p>
             <a:fld id="{73B0F92B-9F92-46B5-BBF2-4E7824411A27}" type="datetimeFigureOut">
               <a:rPr kumimoji="1" lang="ja-JP" altLang="en-US" smtClean="0"/>
-              <a:t>2024/5/5</a:t>
+              <a:t>2024/5/12</a:t>
             </a:fld>
             <a:endParaRPr kumimoji="1" lang="ja-JP" altLang="en-US"/>
           </a:p>
@@ -6725,6 +6725,48 @@
               <a:t>DigitalOcean</a:t>
             </a:r>
             <a:r>
+              <a:rPr lang="en-US" altLang="ja-JP" dirty="0"/>
+              <a:t>)</a:t>
+            </a:r>
+          </a:p>
+          <a:p>
+            <a:r>
+              <a:rPr lang="en-US" altLang="ja-JP" dirty="0"/>
+              <a:t>[.env</a:t>
+            </a:r>
+            <a:r>
+              <a:rPr lang="ja-JP" altLang="en-US" dirty="0"/>
+              <a:t>の追跡除外</a:t>
+            </a:r>
+            <a:r>
+              <a:rPr lang="en-US" altLang="ja-JP" dirty="0"/>
+              <a:t>](</a:t>
+            </a:r>
+            <a:r>
+              <a:rPr lang="en-US" altLang="ja-JP" dirty="0">
+                <a:hlinkClick r:id="rId4"/>
+              </a:rPr>
+              <a:t>Git</a:t>
+            </a:r>
+            <a:r>
+              <a:rPr lang="ja-JP" altLang="en-US" dirty="0">
+                <a:hlinkClick r:id="rId4"/>
+              </a:rPr>
+              <a:t>で既にコミットしたファイルをバージョン管理から外す方法 </a:t>
+            </a:r>
+            <a:r>
+              <a:rPr lang="en-US" altLang="ja-JP" dirty="0">
+                <a:hlinkClick r:id="rId4"/>
+              </a:rPr>
+              <a:t>#Git – </a:t>
+            </a:r>
+            <a:r>
+              <a:rPr lang="en-US" altLang="ja-JP" dirty="0" err="1">
+                <a:hlinkClick r:id="rId4"/>
+              </a:rPr>
+              <a:t>Qiita</a:t>
+            </a:r>
+            <a:r>
               <a:rPr lang="en-US" altLang="ja-JP"/>
               <a:t>)</a:t>
             </a:r>

--- a/栽培管理アプリ.pptx
+++ b/栽培管理アプリ.pptx
@@ -13,6 +13,7 @@
     <p:sldId id="261" r:id="rId7"/>
     <p:sldId id="262" r:id="rId8"/>
     <p:sldId id="263" r:id="rId9"/>
+    <p:sldId id="264" r:id="rId10"/>
   </p:sldIdLst>
   <p:sldSz cx="12192000" cy="6858000"/>
   <p:notesSz cx="6858000" cy="9144000"/>
@@ -395,7 +396,7 @@
           <a:p>
             <a:fld id="{73B0F92B-9F92-46B5-BBF2-4E7824411A27}" type="datetimeFigureOut">
               <a:rPr kumimoji="1" lang="ja-JP" altLang="en-US" smtClean="0"/>
-              <a:t>2024/5/12</a:t>
+              <a:t>2024/5/27</a:t>
             </a:fld>
             <a:endParaRPr kumimoji="1" lang="ja-JP" altLang="en-US"/>
           </a:p>
@@ -625,7 +626,7 @@
           <a:p>
             <a:fld id="{73B0F92B-9F92-46B5-BBF2-4E7824411A27}" type="datetimeFigureOut">
               <a:rPr kumimoji="1" lang="ja-JP" altLang="en-US" smtClean="0"/>
-              <a:t>2024/5/12</a:t>
+              <a:t>2024/5/27</a:t>
             </a:fld>
             <a:endParaRPr kumimoji="1" lang="ja-JP" altLang="en-US"/>
           </a:p>
@@ -865,7 +866,7 @@
           <a:p>
             <a:fld id="{73B0F92B-9F92-46B5-BBF2-4E7824411A27}" type="datetimeFigureOut">
               <a:rPr kumimoji="1" lang="ja-JP" altLang="en-US" smtClean="0"/>
-              <a:t>2024/5/12</a:t>
+              <a:t>2024/5/27</a:t>
             </a:fld>
             <a:endParaRPr kumimoji="1" lang="ja-JP" altLang="en-US"/>
           </a:p>
@@ -1095,7 +1096,7 @@
           <a:p>
             <a:fld id="{73B0F92B-9F92-46B5-BBF2-4E7824411A27}" type="datetimeFigureOut">
               <a:rPr kumimoji="1" lang="ja-JP" altLang="en-US" smtClean="0"/>
-              <a:t>2024/5/12</a:t>
+              <a:t>2024/5/27</a:t>
             </a:fld>
             <a:endParaRPr kumimoji="1" lang="ja-JP" altLang="en-US"/>
           </a:p>
@@ -1370,7 +1371,7 @@
           <a:p>
             <a:fld id="{73B0F92B-9F92-46B5-BBF2-4E7824411A27}" type="datetimeFigureOut">
               <a:rPr kumimoji="1" lang="ja-JP" altLang="en-US" smtClean="0"/>
-              <a:t>2024/5/12</a:t>
+              <a:t>2024/5/27</a:t>
             </a:fld>
             <a:endParaRPr kumimoji="1" lang="ja-JP" altLang="en-US"/>
           </a:p>
@@ -1699,7 +1700,7 @@
           <a:p>
             <a:fld id="{73B0F92B-9F92-46B5-BBF2-4E7824411A27}" type="datetimeFigureOut">
               <a:rPr kumimoji="1" lang="ja-JP" altLang="en-US" smtClean="0"/>
-              <a:t>2024/5/12</a:t>
+              <a:t>2024/5/27</a:t>
             </a:fld>
             <a:endParaRPr kumimoji="1" lang="ja-JP" altLang="en-US"/>
           </a:p>
@@ -2175,7 +2176,7 @@
           <a:p>
             <a:fld id="{73B0F92B-9F92-46B5-BBF2-4E7824411A27}" type="datetimeFigureOut">
               <a:rPr kumimoji="1" lang="ja-JP" altLang="en-US" smtClean="0"/>
-              <a:t>2024/5/12</a:t>
+              <a:t>2024/5/27</a:t>
             </a:fld>
             <a:endParaRPr kumimoji="1" lang="ja-JP" altLang="en-US"/>
           </a:p>
@@ -2316,7 +2317,7 @@
           <a:p>
             <a:fld id="{73B0F92B-9F92-46B5-BBF2-4E7824411A27}" type="datetimeFigureOut">
               <a:rPr kumimoji="1" lang="ja-JP" altLang="en-US" smtClean="0"/>
-              <a:t>2024/5/12</a:t>
+              <a:t>2024/5/27</a:t>
             </a:fld>
             <a:endParaRPr kumimoji="1" lang="ja-JP" altLang="en-US"/>
           </a:p>
@@ -2429,7 +2430,7 @@
           <a:p>
             <a:fld id="{73B0F92B-9F92-46B5-BBF2-4E7824411A27}" type="datetimeFigureOut">
               <a:rPr kumimoji="1" lang="ja-JP" altLang="en-US" smtClean="0"/>
-              <a:t>2024/5/12</a:t>
+              <a:t>2024/5/27</a:t>
             </a:fld>
             <a:endParaRPr kumimoji="1" lang="ja-JP" altLang="en-US"/>
           </a:p>
@@ -2772,7 +2773,7 @@
           <a:p>
             <a:fld id="{73B0F92B-9F92-46B5-BBF2-4E7824411A27}" type="datetimeFigureOut">
               <a:rPr kumimoji="1" lang="ja-JP" altLang="en-US" smtClean="0"/>
-              <a:t>2024/5/12</a:t>
+              <a:t>2024/5/27</a:t>
             </a:fld>
             <a:endParaRPr kumimoji="1" lang="ja-JP" altLang="en-US"/>
           </a:p>
@@ -3060,7 +3061,7 @@
           <a:p>
             <a:fld id="{73B0F92B-9F92-46B5-BBF2-4E7824411A27}" type="datetimeFigureOut">
               <a:rPr kumimoji="1" lang="ja-JP" altLang="en-US" smtClean="0"/>
-              <a:t>2024/5/12</a:t>
+              <a:t>2024/5/27</a:t>
             </a:fld>
             <a:endParaRPr kumimoji="1" lang="ja-JP" altLang="en-US"/>
           </a:p>
@@ -3333,7 +3334,7 @@
           <a:p>
             <a:fld id="{73B0F92B-9F92-46B5-BBF2-4E7824411A27}" type="datetimeFigureOut">
               <a:rPr kumimoji="1" lang="ja-JP" altLang="en-US" smtClean="0"/>
-              <a:t>2024/5/12</a:t>
+              <a:t>2024/5/27</a:t>
             </a:fld>
             <a:endParaRPr kumimoji="1" lang="ja-JP" altLang="en-US"/>
           </a:p>
@@ -6767,7 +6768,51 @@
               <a:t>Qiita</a:t>
             </a:r>
             <a:r>
-              <a:rPr lang="en-US" altLang="ja-JP"/>
+              <a:rPr lang="en-US" altLang="ja-JP" dirty="0"/>
+              <a:t>)</a:t>
+            </a:r>
+          </a:p>
+          <a:p>
+            <a:r>
+              <a:rPr lang="en-US" altLang="ja-JP" dirty="0">
+                <a:hlinkClick r:id="rId5"/>
+              </a:rPr>
+              <a:t>Python</a:t>
+            </a:r>
+            <a:r>
+              <a:rPr lang="ja-JP" altLang="en-US" dirty="0">
+                <a:hlinkClick r:id="rId5"/>
+              </a:rPr>
+              <a:t>で</a:t>
+            </a:r>
+            <a:r>
+              <a:rPr lang="en-US" altLang="ja-JP" dirty="0">
+                <a:hlinkClick r:id="rId5"/>
+              </a:rPr>
+              <a:t>Google Drive API</a:t>
+            </a:r>
+            <a:r>
+              <a:rPr lang="ja-JP" altLang="en-US" dirty="0">
+                <a:hlinkClick r:id="rId5"/>
+              </a:rPr>
+              <a:t>を使う </a:t>
+            </a:r>
+            <a:r>
+              <a:rPr lang="en-US" altLang="ja-JP" dirty="0">
+                <a:hlinkClick r:id="rId5"/>
+              </a:rPr>
+              <a:t>(</a:t>
+            </a:r>
+            <a:r>
+              <a:rPr lang="en-US" altLang="ja-JP" dirty="0" err="1">
+                <a:hlinkClick r:id="rId5"/>
+              </a:rPr>
+              <a:t>zenn.dev</a:t>
+            </a:r>
+            <a:r>
+              <a:rPr lang="en-US" altLang="ja-JP" dirty="0">
+                <a:hlinkClick r:id="rId5"/>
+              </a:rPr>
               <a:t>)</a:t>
             </a:r>
             <a:endParaRPr lang="en-US" altLang="ja-JP" dirty="0"/>
@@ -7099,6 +7144,150 @@
     <p:extLst>
       <p:ext uri="{BB962C8B-B14F-4D97-AF65-F5344CB8AC3E}">
         <p14:creationId xmlns:p14="http://schemas.microsoft.com/office/powerpoint/2010/main" val="1894474831"/>
+      </p:ext>
+    </p:extLst>
+  </p:cSld>
+  <p:clrMapOvr>
+    <a:masterClrMapping/>
+  </p:clrMapOvr>
+</p:sld>
+</file>
+
+<file path=ppt/slides/slide9.xml><?xml version="1.0" encoding="utf-8"?>
+<p:sld xmlns:a="http://schemas.openxmlformats.org/drawingml/2006/main" xmlns:r="http://schemas.openxmlformats.org/officeDocument/2006/relationships" xmlns:p="http://schemas.openxmlformats.org/presentationml/2006/main">
+  <p:cSld>
+    <p:spTree>
+      <p:nvGrpSpPr>
+        <p:cNvPr id="1" name=""/>
+        <p:cNvGrpSpPr/>
+        <p:nvPr/>
+      </p:nvGrpSpPr>
+      <p:grpSpPr>
+        <a:xfrm>
+          <a:off x="0" y="0"/>
+          <a:ext cx="0" cy="0"/>
+          <a:chOff x="0" y="0"/>
+          <a:chExt cx="0" cy="0"/>
+        </a:xfrm>
+      </p:grpSpPr>
+      <p:sp>
+        <p:nvSpPr>
+          <p:cNvPr id="2" name="タイトル 1">
+            <a:extLst>
+              <a:ext uri="{FF2B5EF4-FFF2-40B4-BE49-F238E27FC236}">
+                <a16:creationId xmlns:a16="http://schemas.microsoft.com/office/drawing/2014/main" id="{72CB6328-8DD2-A5D9-7287-C77DFC40B224}"/>
+              </a:ext>
+            </a:extLst>
+          </p:cNvPr>
+          <p:cNvSpPr>
+            <a:spLocks noGrp="1"/>
+          </p:cNvSpPr>
+          <p:nvPr>
+            <p:ph type="title"/>
+          </p:nvPr>
+        </p:nvSpPr>
+        <p:spPr/>
+        <p:txBody>
+          <a:bodyPr/>
+          <a:lstStyle/>
+          <a:p>
+            <a:r>
+              <a:rPr kumimoji="1" lang="ja-JP" altLang="en-US" dirty="0"/>
+              <a:t>写真の扱い方</a:t>
+            </a:r>
+          </a:p>
+        </p:txBody>
+      </p:sp>
+      <p:sp>
+        <p:nvSpPr>
+          <p:cNvPr id="3" name="コンテンツ プレースホルダー 2">
+            <a:extLst>
+              <a:ext uri="{FF2B5EF4-FFF2-40B4-BE49-F238E27FC236}">
+                <a16:creationId xmlns:a16="http://schemas.microsoft.com/office/drawing/2014/main" id="{B58E87B8-D650-3557-3D1B-877A2396DD65}"/>
+              </a:ext>
+            </a:extLst>
+          </p:cNvPr>
+          <p:cNvSpPr>
+            <a:spLocks noGrp="1"/>
+          </p:cNvSpPr>
+          <p:nvPr>
+            <p:ph idx="1"/>
+          </p:nvPr>
+        </p:nvSpPr>
+        <p:spPr/>
+        <p:txBody>
+          <a:bodyPr/>
+          <a:lstStyle/>
+          <a:p>
+            <a:r>
+              <a:rPr kumimoji="1" lang="ja-JP" altLang="en-US" dirty="0"/>
+              <a:t>クライアントで写真をアップロード</a:t>
+            </a:r>
+            <a:endParaRPr kumimoji="1" lang="en-US" altLang="ja-JP" dirty="0"/>
+          </a:p>
+          <a:p>
+            <a:r>
+              <a:rPr lang="ja-JP" altLang="en-US" dirty="0"/>
+              <a:t>ローカルのフォルダに保存</a:t>
+            </a:r>
+            <a:endParaRPr lang="en-US" altLang="ja-JP" dirty="0"/>
+          </a:p>
+          <a:p>
+            <a:r>
+              <a:rPr kumimoji="1" lang="ja-JP" altLang="en-US" dirty="0"/>
+              <a:t>ローカルのフォルダから、特定の野菜・日付の写真があればその写真を表示し、なければ「写真がありません」の写真を表示する。</a:t>
+            </a:r>
+            <a:endParaRPr kumimoji="1" lang="en-US" altLang="ja-JP" dirty="0"/>
+          </a:p>
+          <a:p>
+            <a:r>
+              <a:rPr lang="en-US" altLang="ja-JP" dirty="0"/>
+              <a:t>Node.js</a:t>
+            </a:r>
+            <a:r>
+              <a:rPr lang="ja-JP" altLang="en-US" dirty="0"/>
+              <a:t>の仕様の問題</a:t>
+            </a:r>
+            <a:r>
+              <a:rPr lang="ja-JP" altLang="en-US"/>
+              <a:t>で、ブラウザの方に一緒に写真を送らないと表示できない</a:t>
+            </a:r>
+            <a:endParaRPr kumimoji="1" lang="en-US" altLang="ja-JP" dirty="0"/>
+          </a:p>
+          <a:p>
+            <a:r>
+              <a:rPr kumimoji="1" lang="ja-JP" altLang="en-US" dirty="0"/>
+              <a:t>⇨</a:t>
+            </a:r>
+            <a:r>
+              <a:rPr kumimoji="1" lang="en-US" altLang="ja-JP" dirty="0"/>
+              <a:t>Google </a:t>
+            </a:r>
+            <a:r>
+              <a:rPr lang="en-US" altLang="ja-JP" dirty="0"/>
+              <a:t>Drive</a:t>
+            </a:r>
+            <a:r>
+              <a:rPr lang="ja-JP" altLang="en-US" dirty="0"/>
+              <a:t>を使う</a:t>
+            </a:r>
+            <a:endParaRPr lang="en-US" altLang="ja-JP" dirty="0"/>
+          </a:p>
+          <a:p>
+            <a:endParaRPr kumimoji="1" lang="en-US" altLang="ja-JP" dirty="0"/>
+          </a:p>
+          <a:p>
+            <a:endParaRPr kumimoji="1" lang="en-US" altLang="ja-JP" dirty="0"/>
+          </a:p>
+          <a:p>
+            <a:endParaRPr kumimoji="1" lang="ja-JP" altLang="en-US" dirty="0"/>
+          </a:p>
+        </p:txBody>
+      </p:sp>
+    </p:spTree>
+    <p:extLst>
+      <p:ext uri="{BB962C8B-B14F-4D97-AF65-F5344CB8AC3E}">
+        <p14:creationId xmlns:p14="http://schemas.microsoft.com/office/powerpoint/2010/main" val="1361045463"/>
       </p:ext>
     </p:extLst>
   </p:cSld>
